--- a/data/R presentation Proposal.pptx
+++ b/data/R presentation Proposal.pptx
@@ -260,7 +260,7 @@
           <a:p>
             <a:fld id="{8C3C617B-78E3-4D50-88D5-C5873CE45D51}" type="datetimeFigureOut">
               <a:rPr lang="en-US" smtClean="0"/>
-              <a:t>10/23/2023</a:t>
+              <a:t>10/24/2023</a:t>
             </a:fld>
             <a:endParaRPr lang="en-US"/>
           </a:p>
@@ -458,7 +458,7 @@
           <a:p>
             <a:fld id="{8C3C617B-78E3-4D50-88D5-C5873CE45D51}" type="datetimeFigureOut">
               <a:rPr lang="en-US" smtClean="0"/>
-              <a:t>10/23/2023</a:t>
+              <a:t>10/24/2023</a:t>
             </a:fld>
             <a:endParaRPr lang="en-US"/>
           </a:p>
@@ -666,7 +666,7 @@
           <a:p>
             <a:fld id="{8C3C617B-78E3-4D50-88D5-C5873CE45D51}" type="datetimeFigureOut">
               <a:rPr lang="en-US" smtClean="0"/>
-              <a:t>10/23/2023</a:t>
+              <a:t>10/24/2023</a:t>
             </a:fld>
             <a:endParaRPr lang="en-US"/>
           </a:p>
@@ -864,7 +864,7 @@
           <a:p>
             <a:fld id="{8C3C617B-78E3-4D50-88D5-C5873CE45D51}" type="datetimeFigureOut">
               <a:rPr lang="en-US" smtClean="0"/>
-              <a:t>10/23/2023</a:t>
+              <a:t>10/24/2023</a:t>
             </a:fld>
             <a:endParaRPr lang="en-US"/>
           </a:p>
@@ -1139,7 +1139,7 @@
           <a:p>
             <a:fld id="{8C3C617B-78E3-4D50-88D5-C5873CE45D51}" type="datetimeFigureOut">
               <a:rPr lang="en-US" smtClean="0"/>
-              <a:t>10/23/2023</a:t>
+              <a:t>10/24/2023</a:t>
             </a:fld>
             <a:endParaRPr lang="en-US"/>
           </a:p>
@@ -1404,7 +1404,7 @@
           <a:p>
             <a:fld id="{8C3C617B-78E3-4D50-88D5-C5873CE45D51}" type="datetimeFigureOut">
               <a:rPr lang="en-US" smtClean="0"/>
-              <a:t>10/23/2023</a:t>
+              <a:t>10/24/2023</a:t>
             </a:fld>
             <a:endParaRPr lang="en-US"/>
           </a:p>
@@ -1816,7 +1816,7 @@
           <a:p>
             <a:fld id="{8C3C617B-78E3-4D50-88D5-C5873CE45D51}" type="datetimeFigureOut">
               <a:rPr lang="en-US" smtClean="0"/>
-              <a:t>10/23/2023</a:t>
+              <a:t>10/24/2023</a:t>
             </a:fld>
             <a:endParaRPr lang="en-US"/>
           </a:p>
@@ -1957,7 +1957,7 @@
           <a:p>
             <a:fld id="{8C3C617B-78E3-4D50-88D5-C5873CE45D51}" type="datetimeFigureOut">
               <a:rPr lang="en-US" smtClean="0"/>
-              <a:t>10/23/2023</a:t>
+              <a:t>10/24/2023</a:t>
             </a:fld>
             <a:endParaRPr lang="en-US"/>
           </a:p>
@@ -2070,7 +2070,7 @@
           <a:p>
             <a:fld id="{8C3C617B-78E3-4D50-88D5-C5873CE45D51}" type="datetimeFigureOut">
               <a:rPr lang="en-US" smtClean="0"/>
-              <a:t>10/23/2023</a:t>
+              <a:t>10/24/2023</a:t>
             </a:fld>
             <a:endParaRPr lang="en-US"/>
           </a:p>
@@ -2381,7 +2381,7 @@
           <a:p>
             <a:fld id="{8C3C617B-78E3-4D50-88D5-C5873CE45D51}" type="datetimeFigureOut">
               <a:rPr lang="en-US" smtClean="0"/>
-              <a:t>10/23/2023</a:t>
+              <a:t>10/24/2023</a:t>
             </a:fld>
             <a:endParaRPr lang="en-US"/>
           </a:p>
@@ -2669,7 +2669,7 @@
           <a:p>
             <a:fld id="{8C3C617B-78E3-4D50-88D5-C5873CE45D51}" type="datetimeFigureOut">
               <a:rPr lang="en-US" smtClean="0"/>
-              <a:t>10/23/2023</a:t>
+              <a:t>10/24/2023</a:t>
             </a:fld>
             <a:endParaRPr lang="en-US"/>
           </a:p>
@@ -2910,7 +2910,7 @@
           <a:p>
             <a:fld id="{8C3C617B-78E3-4D50-88D5-C5873CE45D51}" type="datetimeFigureOut">
               <a:rPr lang="en-US" smtClean="0"/>
-              <a:t>10/23/2023</a:t>
+              <a:t>10/24/2023</a:t>
             </a:fld>
             <a:endParaRPr lang="en-US"/>
           </a:p>
@@ -3469,8 +3469,8 @@
         </p:nvSpPr>
         <p:spPr>
           <a:xfrm>
-            <a:off x="115743" y="5517174"/>
-            <a:ext cx="9092911" cy="1200329"/>
+            <a:off x="62056" y="5337026"/>
+            <a:ext cx="12206431" cy="1200329"/>
           </a:xfrm>
           <a:prstGeom prst="rect">
             <a:avLst/>
@@ -3513,12 +3513,27 @@
               <a:buChar char="v"/>
             </a:pPr>
             <a:r>
+              <a:rPr lang="en-US" dirty="0">
+                <a:latin typeface="Times New Roman" panose="02020603050405020304" pitchFamily="18" charset="0"/>
+                <a:cs typeface="Times New Roman" panose="02020603050405020304" pitchFamily="18" charset="0"/>
+              </a:rPr>
+              <a:t>The </a:t>
+            </a:r>
+            <a:r>
               <a:rPr lang="en-US" b="0" i="0" dirty="0">
                 <a:effectLst/>
                 <a:latin typeface="Times New Roman" panose="02020603050405020304" pitchFamily="18" charset="0"/>
                 <a:cs typeface="Times New Roman" panose="02020603050405020304" pitchFamily="18" charset="0"/>
               </a:rPr>
-              <a:t>Our analysis centers on exploring variances in metabolite profiles, and the specific metabolic pathways triggered during hibernation. </a:t>
+              <a:t>analysis focuses on the role of brown adipose tissue and its associated metabolites, and what could be the specific metabolites and pathways activated during hibernation</a:t>
+            </a:r>
+            <a:r>
+              <a:rPr lang="en-US" b="0" i="0">
+                <a:effectLst/>
+                <a:latin typeface="Times New Roman" panose="02020603050405020304" pitchFamily="18" charset="0"/>
+                <a:cs typeface="Times New Roman" panose="02020603050405020304" pitchFamily="18" charset="0"/>
+              </a:rPr>
+              <a:t>. </a:t>
             </a:r>
             <a:endParaRPr lang="en-US" dirty="0">
               <a:latin typeface="Times New Roman" panose="02020603050405020304" pitchFamily="18" charset="0"/>
